--- a/REMOTE JOBS.pptx
+++ b/REMOTE JOBS.pptx
@@ -31757,7 +31757,7 @@
             </a:pPr>
             <a:r>
               <a:rPr lang="es"/>
-              <a:t>VISUALIZATION</a:t>
+              <a:t>VISUALISATION</a:t>
             </a:r>
             <a:endParaRPr/>
           </a:p>
@@ -34549,7 +34549,7 @@
             </a:pPr>
             <a:r>
               <a:rPr lang="es"/>
-              <a:t>VISUALIZATION</a:t>
+              <a:t>VISUALISATION</a:t>
             </a:r>
             <a:endParaRPr/>
           </a:p>
